--- a/docs/SAMSUNG_IoT_Academy_Presentation_Template_2019_1.pptx
+++ b/docs/SAMSUNG_IoT_Academy_Presentation_Template_2019_1.pptx
@@ -1611,6 +1611,12 @@
                 <a:latin typeface="+mn-lt"/>
               </a:rPr>
               <a:t>ФИНАЛ КОНКУРСА ПРОЕКТОВ </a:t>
+            </a:r>
+            <a:r>
+              <a:rPr lang="en-US" dirty="0">
+                <a:latin typeface="+mn-lt"/>
+              </a:rPr>
+              <a:t/>
             </a:r>
             <a:br>
               <a:rPr lang="en-US" dirty="0">
@@ -3457,8 +3463,8 @@
         </p:blipFill>
         <p:spPr>
           <a:xfrm>
-            <a:off x="398992" y="2357789"/>
-            <a:ext cx="5019674" cy="3252787"/>
+            <a:off x="841556" y="2357789"/>
+            <a:ext cx="4734699" cy="3068121"/>
           </a:xfrm>
           <a:prstGeom prst="rect">
             <a:avLst/>
@@ -3535,6 +3541,138 @@
           </a:p>
         </p:txBody>
       </p:sp>
+      <p:pic>
+        <p:nvPicPr>
+          <p:cNvPr id="3" name="Рисунок 2" descr="https://psv4.userapi.com/c848432/u17556398/docs/d10/9bc308d2c903/Screenshot_1560494143.png?extra=AdzR9sFAQO5AKAcmaOeo8C9j-N40wmJqIGau709WaZLFj44Nc-in8HKx-CPgNtKk1eBNSBMY1gcM5rfqTTn27L7An_8golTdTJ9A0j4TgQZnKacI2TMCPoBoUPodl7KplpbzjHBW2nSdIgIo5qgkOMOC"/>
+          <p:cNvPicPr/>
+          <p:nvPr/>
+        </p:nvPicPr>
+        <p:blipFill>
+          <a:blip r:embed="rId2">
+            <a:extLst>
+              <a:ext uri="{28A0092B-C50C-407E-A947-70E740481C1C}">
+                <a14:useLocalDpi xmlns:a14="http://schemas.microsoft.com/office/drawing/2010/main" val="0"/>
+              </a:ext>
+            </a:extLst>
+          </a:blip>
+          <a:srcRect/>
+          <a:stretch>
+            <a:fillRect/>
+          </a:stretch>
+        </p:blipFill>
+        <p:spPr bwMode="auto">
+          <a:xfrm>
+            <a:off x="545869" y="1317492"/>
+            <a:ext cx="2306692" cy="4100669"/>
+          </a:xfrm>
+          <a:prstGeom prst="rect">
+            <a:avLst/>
+          </a:prstGeom>
+          <a:noFill/>
+          <a:ln>
+            <a:noFill/>
+          </a:ln>
+        </p:spPr>
+      </p:pic>
+      <p:pic>
+        <p:nvPicPr>
+          <p:cNvPr id="4" name="Рисунок 3" descr="https://psv4.userapi.com/c848432/u17556398/docs/d1/ab123dd79ebc/Screenshot_1560494149.png?extra=Fw_UyWD0vmY5Px8Irh86sGkhwKwexedUSV81u-KaJxL86DlPEnPv0KEfv4JV94AABpI0uJCi_auhdyHoLBI4MjpzpKRirsD4La8oVPq-lmfdyAYRcNjsehTxSlE2i3TdeY5vVNbTNgYZpoFeAGo1Tzfb"/>
+          <p:cNvPicPr/>
+          <p:nvPr/>
+        </p:nvPicPr>
+        <p:blipFill>
+          <a:blip r:embed="rId3">
+            <a:extLst>
+              <a:ext uri="{28A0092B-C50C-407E-A947-70E740481C1C}">
+                <a14:useLocalDpi xmlns:a14="http://schemas.microsoft.com/office/drawing/2010/main" val="0"/>
+              </a:ext>
+            </a:extLst>
+          </a:blip>
+          <a:srcRect/>
+          <a:stretch>
+            <a:fillRect/>
+          </a:stretch>
+        </p:blipFill>
+        <p:spPr bwMode="auto">
+          <a:xfrm>
+            <a:off x="3495219" y="1317490"/>
+            <a:ext cx="2306570" cy="4100669"/>
+          </a:xfrm>
+          <a:prstGeom prst="rect">
+            <a:avLst/>
+          </a:prstGeom>
+          <a:noFill/>
+          <a:ln>
+            <a:noFill/>
+          </a:ln>
+        </p:spPr>
+      </p:pic>
+      <p:pic>
+        <p:nvPicPr>
+          <p:cNvPr id="5" name="Рисунок 4" descr="https://psv4.userapi.com/c848432/u17556398/docs/d11/5a4cf3891be3/Screenshot_1560494155.png?extra=PPAHaluhaA82pq_crWNNr3ki9DN9TAmSVzElSwG5o40XAF6aH6ZhfKVAjOPo7ycdWgD5Qeyrfw0l_KInT1mBFsue-gqUu_5CB1xQPpaBIOuxT3nmcw5lSvwUGtpFSqBeNSYY9vBqTjl3BFvtXYiI2wDe"/>
+          <p:cNvPicPr/>
+          <p:nvPr/>
+        </p:nvPicPr>
+        <p:blipFill>
+          <a:blip r:embed="rId4">
+            <a:extLst>
+              <a:ext uri="{28A0092B-C50C-407E-A947-70E740481C1C}">
+                <a14:useLocalDpi xmlns:a14="http://schemas.microsoft.com/office/drawing/2010/main" val="0"/>
+              </a:ext>
+            </a:extLst>
+          </a:blip>
+          <a:srcRect/>
+          <a:stretch>
+            <a:fillRect/>
+          </a:stretch>
+        </p:blipFill>
+        <p:spPr bwMode="auto">
+          <a:xfrm>
+            <a:off x="6444447" y="1317490"/>
+            <a:ext cx="2307720" cy="4103352"/>
+          </a:xfrm>
+          <a:prstGeom prst="rect">
+            <a:avLst/>
+          </a:prstGeom>
+          <a:noFill/>
+          <a:ln>
+            <a:noFill/>
+          </a:ln>
+        </p:spPr>
+      </p:pic>
+      <p:pic>
+        <p:nvPicPr>
+          <p:cNvPr id="6" name="Рисунок 5" descr="https://psv4.userapi.com/c848432/u17556398/docs/d11/8f835e4d43dc/Screenshot_1560494158.png?extra=kdHrcXWntkVnh67GaJdFcKmLee27VU_TqiL8K2iijou90MlqxkgRoygub7Q3JlZ0_DbVpjRg14hXoaC8qsGp8_bMaP8ktPwAO8LsPoivgcipmSdCSycwJ8ZgTnNfaNzWB7vpaBIrfM4ygrhVL8C_6VFL"/>
+          <p:cNvPicPr/>
+          <p:nvPr/>
+        </p:nvPicPr>
+        <p:blipFill>
+          <a:blip r:embed="rId5">
+            <a:extLst>
+              <a:ext uri="{28A0092B-C50C-407E-A947-70E740481C1C}">
+                <a14:useLocalDpi xmlns:a14="http://schemas.microsoft.com/office/drawing/2010/main" val="0"/>
+              </a:ext>
+            </a:extLst>
+          </a:blip>
+          <a:srcRect/>
+          <a:stretch>
+            <a:fillRect/>
+          </a:stretch>
+        </p:blipFill>
+        <p:spPr bwMode="auto">
+          <a:xfrm>
+            <a:off x="9335386" y="1317490"/>
+            <a:ext cx="2306601" cy="4100669"/>
+          </a:xfrm>
+          <a:prstGeom prst="rect">
+            <a:avLst/>
+          </a:prstGeom>
+          <a:noFill/>
+          <a:ln>
+            <a:noFill/>
+          </a:ln>
+        </p:spPr>
+      </p:pic>
     </p:spTree>
     <p:extLst>
       <p:ext uri="{BB962C8B-B14F-4D97-AF65-F5344CB8AC3E}">
@@ -4442,6 +4580,10 @@
             <a:r>
               <a:rPr lang="en-US" sz="2400" dirty="0"/>
               <a:t>Unwired One</a:t>
+            </a:r>
+            <a:r>
+              <a:rPr lang="ru-RU" sz="2400" dirty="0"/>
+              <a:t/>
             </a:r>
             <a:br>
               <a:rPr lang="ru-RU" sz="2400" dirty="0"/>

--- a/docs/SAMSUNG_IoT_Academy_Presentation_Template_2019_1.pptx
+++ b/docs/SAMSUNG_IoT_Academy_Presentation_Template_2019_1.pptx
@@ -5216,7 +5216,7 @@
         <p:spPr>
           <a:xfrm>
             <a:off x="728134" y="1880791"/>
-            <a:ext cx="6096000" cy="3456587"/>
+            <a:ext cx="6096000" cy="2976328"/>
           </a:xfrm>
           <a:prstGeom prst="rect">
             <a:avLst/>
@@ -5237,30 +5237,20 @@
               </a:spcAft>
             </a:pPr>
             <a:r>
+              <a:rPr lang="ru-RU" sz="2400" smtClean="0">
+                <a:solidFill>
+                  <a:srgbClr val="263996"/>
+                </a:solidFill>
+              </a:rPr>
+              <a:t>– </a:t>
+            </a:r>
+            <a:r>
               <a:rPr lang="ru-RU" sz="2400" dirty="0">
                 <a:solidFill>
                   <a:srgbClr val="263996"/>
                 </a:solidFill>
               </a:rPr>
-              <a:t>– Базовая станция ≈</a:t>
-            </a:r>
-          </a:p>
-          <a:p>
-            <a:pPr>
-              <a:lnSpc>
-                <a:spcPct val="107000"/>
-              </a:lnSpc>
-              <a:spcAft>
-                <a:spcPts val="800"/>
-              </a:spcAft>
-            </a:pPr>
-            <a:r>
-              <a:rPr lang="ru-RU" sz="2400" dirty="0">
-                <a:solidFill>
-                  <a:srgbClr val="263996"/>
-                </a:solidFill>
-              </a:rPr>
-              <a:t>– Датчик тока ACS712 ≈ 11 мА</a:t>
+              <a:t>Датчик тока ACS712 ≈ 11 мА</a:t>
             </a:r>
           </a:p>
           <a:p>

--- a/docs/SAMSUNG_IoT_Academy_Presentation_Template_2019_1.pptx
+++ b/docs/SAMSUNG_IoT_Academy_Presentation_Template_2019_1.pptx
@@ -13,8 +13,8 @@
     <p:sldId id="258" r:id="rId4"/>
     <p:sldId id="259" r:id="rId5"/>
     <p:sldId id="260" r:id="rId6"/>
-    <p:sldId id="261" r:id="rId7"/>
-    <p:sldId id="264" r:id="rId8"/>
+    <p:sldId id="264" r:id="rId7"/>
+    <p:sldId id="261" r:id="rId8"/>
     <p:sldId id="273" r:id="rId9"/>
     <p:sldId id="262" r:id="rId10"/>
     <p:sldId id="263" r:id="rId11"/>
@@ -1066,7 +1066,7 @@
     </p:spTree>
     <p:extLst>
       <p:ext uri="{BB962C8B-B14F-4D97-AF65-F5344CB8AC3E}">
-        <p14:creationId xmlns:p14="http://schemas.microsoft.com/office/powerpoint/2010/main" val="1548615848"/>
+        <p14:creationId xmlns:p14="http://schemas.microsoft.com/office/powerpoint/2010/main" val="753385895"/>
       </p:ext>
     </p:extLst>
   </p:cSld>
@@ -1150,7 +1150,7 @@
     </p:spTree>
     <p:extLst>
       <p:ext uri="{BB962C8B-B14F-4D97-AF65-F5344CB8AC3E}">
-        <p14:creationId xmlns:p14="http://schemas.microsoft.com/office/powerpoint/2010/main" val="753385895"/>
+        <p14:creationId xmlns:p14="http://schemas.microsoft.com/office/powerpoint/2010/main" val="1548615848"/>
       </p:ext>
     </p:extLst>
   </p:cSld>
@@ -3463,8 +3463,8 @@
         </p:blipFill>
         <p:spPr>
           <a:xfrm>
-            <a:off x="841556" y="2357789"/>
-            <a:ext cx="4734699" cy="3068121"/>
+            <a:off x="2391682" y="1643687"/>
+            <a:ext cx="6125301" cy="3969242"/>
           </a:xfrm>
           <a:prstGeom prst="rect">
             <a:avLst/>
@@ -4136,6 +4136,30 @@
           </a:p>
         </p:txBody>
       </p:sp>
+      <p:pic>
+        <p:nvPicPr>
+          <p:cNvPr id="4" name="Рисунок 3"/>
+          <p:cNvPicPr>
+            <a:picLocks noChangeAspect="1"/>
+          </p:cNvPicPr>
+          <p:nvPr/>
+        </p:nvPicPr>
+        <p:blipFill>
+          <a:blip r:embed="rId3"/>
+          <a:stretch>
+            <a:fillRect/>
+          </a:stretch>
+        </p:blipFill>
+        <p:spPr>
+          <a:xfrm>
+            <a:off x="2238693" y="3088400"/>
+            <a:ext cx="4598988" cy="3240962"/>
+          </a:xfrm>
+          <a:prstGeom prst="rect">
+            <a:avLst/>
+          </a:prstGeom>
+        </p:spPr>
+      </p:pic>
     </p:spTree>
     <p:extLst>
       <p:ext uri="{BB962C8B-B14F-4D97-AF65-F5344CB8AC3E}">
@@ -4558,8 +4582,8 @@
         </p:nvSpPr>
         <p:spPr>
           <a:xfrm>
-            <a:off x="690036" y="1377907"/>
-            <a:ext cx="5157950" cy="2185214"/>
+            <a:off x="287866" y="1231509"/>
+            <a:ext cx="11663834" cy="4524315"/>
           </a:xfrm>
           <a:prstGeom prst="rect">
             <a:avLst/>
@@ -4572,6 +4596,500 @@
           </a:bodyPr>
           <a:lstStyle/>
           <a:p>
+            <a:r>
+              <a:rPr lang="ru-RU" sz="2400" dirty="0">
+                <a:solidFill>
+                  <a:srgbClr val="263996"/>
+                </a:solidFill>
+              </a:rPr>
+              <a:t>– Базовая станция, реализованная на STM32L151CCU6 (1650 рублей, </a:t>
+            </a:r>
+            <a:endParaRPr lang="en-US" sz="2400" dirty="0">
+              <a:solidFill>
+                <a:srgbClr val="263996"/>
+              </a:solidFill>
+            </a:endParaRPr>
+          </a:p>
+          <a:p>
+            <a:r>
+              <a:rPr lang="en-US" sz="2400" dirty="0">
+                <a:solidFill>
+                  <a:srgbClr val="263996"/>
+                </a:solidFill>
+              </a:rPr>
+              <a:t>       </a:t>
+            </a:r>
+            <a:r>
+              <a:rPr lang="ru-RU" sz="2400" dirty="0">
+                <a:solidFill>
+                  <a:srgbClr val="263996"/>
+                </a:solidFill>
+              </a:rPr>
+              <a:t>если в корпусе </a:t>
+            </a:r>
+            <a:r>
+              <a:rPr lang="en-US" sz="2400" dirty="0">
+                <a:solidFill>
+                  <a:srgbClr val="263996"/>
+                </a:solidFill>
+              </a:rPr>
+              <a:t>Unwired Range</a:t>
+            </a:r>
+            <a:r>
+              <a:rPr lang="ru-RU" sz="2400" dirty="0">
+                <a:solidFill>
+                  <a:srgbClr val="263996"/>
+                </a:solidFill>
+              </a:rPr>
+              <a:t>), </a:t>
+            </a:r>
+            <a:r>
+              <a:rPr lang="en-US" sz="2400" dirty="0">
+                <a:solidFill>
+                  <a:srgbClr val="263996"/>
+                </a:solidFill>
+              </a:rPr>
+              <a:t>UMDK</a:t>
+            </a:r>
+            <a:r>
+              <a:rPr lang="ru-RU" sz="2400" dirty="0">
+                <a:solidFill>
+                  <a:srgbClr val="263996"/>
+                </a:solidFill>
+              </a:rPr>
+              <a:t>-</a:t>
+            </a:r>
+            <a:r>
+              <a:rPr lang="en-US" sz="2400" dirty="0">
+                <a:solidFill>
+                  <a:srgbClr val="263996"/>
+                </a:solidFill>
+              </a:rPr>
+              <a:t>RF </a:t>
+            </a:r>
+            <a:r>
+              <a:rPr lang="ru-RU" sz="2400" dirty="0">
+                <a:solidFill>
+                  <a:srgbClr val="263996"/>
+                </a:solidFill>
+              </a:rPr>
+              <a:t>(1290 рублей), </a:t>
+            </a:r>
+            <a:r>
+              <a:rPr lang="en-US" sz="2400" dirty="0">
+                <a:solidFill>
+                  <a:srgbClr val="263996"/>
+                </a:solidFill>
+              </a:rPr>
+              <a:t>UMDK</a:t>
+            </a:r>
+            <a:r>
+              <a:rPr lang="ru-RU" sz="2400" dirty="0">
+                <a:solidFill>
+                  <a:srgbClr val="263996"/>
+                </a:solidFill>
+              </a:rPr>
+              <a:t>-</a:t>
+            </a:r>
+            <a:r>
+              <a:rPr lang="en-US" sz="2400" dirty="0">
+                <a:solidFill>
+                  <a:srgbClr val="263996"/>
+                </a:solidFill>
+              </a:rPr>
+              <a:t>GATE</a:t>
+            </a:r>
+            <a:r>
+              <a:rPr lang="ru-RU" sz="2400" dirty="0">
+                <a:solidFill>
+                  <a:srgbClr val="263996"/>
+                </a:solidFill>
+              </a:rPr>
+              <a:t>/</a:t>
+            </a:r>
+            <a:r>
+              <a:rPr lang="en-US" sz="2400" dirty="0">
+                <a:solidFill>
+                  <a:srgbClr val="263996"/>
+                </a:solidFill>
+              </a:rPr>
+              <a:t>E</a:t>
+            </a:r>
+            <a:r>
+              <a:rPr lang="ru-RU" sz="2400" dirty="0">
+                <a:solidFill>
+                  <a:srgbClr val="263996"/>
+                </a:solidFill>
+              </a:rPr>
+              <a:t> и </a:t>
+            </a:r>
+            <a:endParaRPr lang="en-US" sz="2400" dirty="0">
+              <a:solidFill>
+                <a:srgbClr val="263996"/>
+              </a:solidFill>
+            </a:endParaRPr>
+          </a:p>
+          <a:p>
+            <a:r>
+              <a:rPr lang="en-US" sz="2400" dirty="0">
+                <a:solidFill>
+                  <a:srgbClr val="263996"/>
+                </a:solidFill>
+              </a:rPr>
+              <a:t>       </a:t>
+            </a:r>
+            <a:r>
+              <a:rPr lang="ru-RU" sz="2400" dirty="0">
+                <a:solidFill>
+                  <a:srgbClr val="263996"/>
+                </a:solidFill>
+              </a:rPr>
+              <a:t>на основе микрокомпьютера</a:t>
+            </a:r>
+            <a:r>
+              <a:rPr lang="en-US" sz="2400" dirty="0">
+                <a:solidFill>
+                  <a:srgbClr val="263996"/>
+                </a:solidFill>
+              </a:rPr>
+              <a:t> Black Swift</a:t>
+            </a:r>
+            <a:r>
+              <a:rPr lang="ru-RU" sz="2400" dirty="0">
+                <a:solidFill>
+                  <a:srgbClr val="263996"/>
+                </a:solidFill>
+              </a:rPr>
+              <a:t>/</a:t>
+            </a:r>
+            <a:r>
+              <a:rPr lang="en-US" sz="2400" dirty="0">
+                <a:solidFill>
+                  <a:srgbClr val="263996"/>
+                </a:solidFill>
+              </a:rPr>
+              <a:t>Unwired One</a:t>
+            </a:r>
+            <a:r>
+              <a:rPr lang="ru-RU" sz="2400" dirty="0">
+                <a:solidFill>
+                  <a:srgbClr val="263996"/>
+                </a:solidFill>
+              </a:rPr>
+              <a:t> (1800 рублей</a:t>
+            </a:r>
+            <a:r>
+              <a:rPr lang="ru-RU" sz="2400" dirty="0" smtClean="0">
+                <a:solidFill>
+                  <a:srgbClr val="263996"/>
+                </a:solidFill>
+              </a:rPr>
+              <a:t>);</a:t>
+            </a:r>
+          </a:p>
+          <a:p>
+            <a:endParaRPr lang="en-US" sz="2400" dirty="0" smtClean="0">
+              <a:solidFill>
+                <a:srgbClr val="263996"/>
+              </a:solidFill>
+            </a:endParaRPr>
+          </a:p>
+          <a:p>
+            <a:r>
+              <a:rPr lang="ru-RU" sz="2400" dirty="0" smtClean="0">
+                <a:solidFill>
+                  <a:srgbClr val="263996"/>
+                </a:solidFill>
+              </a:rPr>
+              <a:t>Из этого понятно, что стоимость базы без учета </a:t>
+            </a:r>
+            <a:r>
+              <a:rPr lang="en-US" sz="2400" dirty="0">
+                <a:solidFill>
+                  <a:srgbClr val="263996"/>
+                </a:solidFill>
+              </a:rPr>
+              <a:t>UMDK</a:t>
+            </a:r>
+            <a:r>
+              <a:rPr lang="ru-RU" sz="2400" dirty="0">
+                <a:solidFill>
+                  <a:srgbClr val="263996"/>
+                </a:solidFill>
+              </a:rPr>
+              <a:t>-</a:t>
+            </a:r>
+            <a:r>
+              <a:rPr lang="en-US" sz="2400" dirty="0">
+                <a:solidFill>
+                  <a:srgbClr val="263996"/>
+                </a:solidFill>
+              </a:rPr>
+              <a:t>GATE</a:t>
+            </a:r>
+            <a:r>
+              <a:rPr lang="ru-RU" sz="2400" dirty="0">
+                <a:solidFill>
+                  <a:srgbClr val="263996"/>
+                </a:solidFill>
+              </a:rPr>
+              <a:t>/</a:t>
+            </a:r>
+            <a:r>
+              <a:rPr lang="en-US" sz="2400" dirty="0" smtClean="0">
+                <a:solidFill>
+                  <a:srgbClr val="263996"/>
+                </a:solidFill>
+              </a:rPr>
+              <a:t>E</a:t>
+            </a:r>
+            <a:r>
+              <a:rPr lang="ru-RU" sz="2400" dirty="0" smtClean="0">
+                <a:solidFill>
+                  <a:srgbClr val="263996"/>
+                </a:solidFill>
+              </a:rPr>
+              <a:t> составляет 4740 рублей</a:t>
+            </a:r>
+            <a:endParaRPr lang="en-US" sz="2400" dirty="0">
+              <a:solidFill>
+                <a:srgbClr val="263996"/>
+              </a:solidFill>
+            </a:endParaRPr>
+          </a:p>
+          <a:p>
+            <a:endParaRPr lang="ru-RU" sz="2400" dirty="0">
+              <a:solidFill>
+                <a:srgbClr val="263996"/>
+              </a:solidFill>
+            </a:endParaRPr>
+          </a:p>
+          <a:p>
+            <a:r>
+              <a:rPr lang="ru-RU" sz="2400" dirty="0">
+                <a:solidFill>
+                  <a:srgbClr val="263996"/>
+                </a:solidFill>
+              </a:rPr>
+              <a:t>– Датчик тока </a:t>
+            </a:r>
+            <a:r>
+              <a:rPr lang="en-US" sz="2400" dirty="0">
+                <a:solidFill>
+                  <a:srgbClr val="263996"/>
+                </a:solidFill>
+              </a:rPr>
+              <a:t>ACS</a:t>
+            </a:r>
+            <a:r>
+              <a:rPr lang="ru-RU" sz="2400" dirty="0">
+                <a:solidFill>
+                  <a:srgbClr val="263996"/>
+                </a:solidFill>
+              </a:rPr>
+              <a:t>712 (180 рублей);</a:t>
+            </a:r>
+          </a:p>
+          <a:p>
+            <a:r>
+              <a:rPr lang="ru-RU" sz="2400" dirty="0" smtClean="0">
+                <a:solidFill>
+                  <a:srgbClr val="263996"/>
+                </a:solidFill>
+              </a:rPr>
+              <a:t>– </a:t>
+            </a:r>
+            <a:r>
+              <a:rPr lang="ru-RU" sz="2400" dirty="0">
+                <a:solidFill>
+                  <a:srgbClr val="263996"/>
+                </a:solidFill>
+              </a:rPr>
+              <a:t>Элемент связи датчика со станцией, реализованный на </a:t>
+            </a:r>
+            <a:r>
+              <a:rPr lang="en-US" sz="2400" dirty="0">
+                <a:solidFill>
+                  <a:srgbClr val="263996"/>
+                </a:solidFill>
+              </a:rPr>
+              <a:t>Unwired Range</a:t>
+            </a:r>
+            <a:r>
+              <a:rPr lang="ru-RU" sz="2400" dirty="0">
+                <a:solidFill>
+                  <a:srgbClr val="263996"/>
+                </a:solidFill>
+              </a:rPr>
+              <a:t> (1650 рублей), </a:t>
+            </a:r>
+            <a:endParaRPr lang="en-US" sz="2400" dirty="0">
+              <a:solidFill>
+                <a:srgbClr val="263996"/>
+              </a:solidFill>
+            </a:endParaRPr>
+          </a:p>
+          <a:p>
+            <a:r>
+              <a:rPr lang="en-US" sz="2400" dirty="0">
+                <a:solidFill>
+                  <a:srgbClr val="263996"/>
+                </a:solidFill>
+              </a:rPr>
+              <a:t>      UMDK</a:t>
+            </a:r>
+            <a:r>
+              <a:rPr lang="ru-RU" sz="2400" dirty="0">
+                <a:solidFill>
+                  <a:srgbClr val="263996"/>
+                </a:solidFill>
+              </a:rPr>
+              <a:t>-</a:t>
+            </a:r>
+            <a:r>
+              <a:rPr lang="en-US" sz="2400" dirty="0">
+                <a:solidFill>
+                  <a:srgbClr val="263996"/>
+                </a:solidFill>
+              </a:rPr>
+              <a:t>RF </a:t>
+            </a:r>
+            <a:r>
+              <a:rPr lang="ru-RU" sz="2400" dirty="0">
+                <a:solidFill>
+                  <a:srgbClr val="263996"/>
+                </a:solidFill>
+              </a:rPr>
+              <a:t>(1290 рублей);</a:t>
+            </a:r>
+            <a:endParaRPr lang="en-US" sz="2400" dirty="0">
+              <a:solidFill>
+                <a:srgbClr val="263996"/>
+              </a:solidFill>
+            </a:endParaRPr>
+          </a:p>
+          <a:p>
+            <a:endParaRPr lang="ru-RU" sz="2400" dirty="0">
+              <a:solidFill>
+                <a:srgbClr val="263996"/>
+              </a:solidFill>
+            </a:endParaRPr>
+          </a:p>
+          <a:p>
+            <a:r>
+              <a:rPr lang="ru-RU" sz="2400" dirty="0">
+                <a:solidFill>
+                  <a:srgbClr val="263996"/>
+                </a:solidFill>
+              </a:rPr>
+              <a:t>Общая стоимость </a:t>
+            </a:r>
+            <a:r>
+              <a:rPr lang="ru-RU" sz="2400" dirty="0" smtClean="0">
+                <a:solidFill>
+                  <a:srgbClr val="263996"/>
+                </a:solidFill>
+              </a:rPr>
+              <a:t>элемента составляет 3260 рублей</a:t>
+            </a:r>
+            <a:endParaRPr lang="ru-RU" sz="2400" dirty="0">
+              <a:solidFill>
+                <a:srgbClr val="263996"/>
+              </a:solidFill>
+            </a:endParaRPr>
+          </a:p>
+          <a:p>
+            <a:pPr lvl="0"/>
+            <a:endParaRPr lang="ru-RU" sz="2400" dirty="0"/>
+          </a:p>
+        </p:txBody>
+      </p:sp>
+    </p:spTree>
+    <p:extLst>
+      <p:ext uri="{BB962C8B-B14F-4D97-AF65-F5344CB8AC3E}">
+        <p14:creationId xmlns:p14="http://schemas.microsoft.com/office/powerpoint/2010/main" val="3142597761"/>
+      </p:ext>
+    </p:extLst>
+  </p:cSld>
+  <p:clrMapOvr>
+    <a:masterClrMapping/>
+  </p:clrMapOvr>
+  <mc:AlternateContent xmlns:mc="http://schemas.openxmlformats.org/markup-compatibility/2006" xmlns:p14="http://schemas.microsoft.com/office/powerpoint/2010/main">
+    <mc:Choice Requires="p14">
+      <p:transition spd="med" p14:dur="700">
+        <p:fade/>
+      </p:transition>
+    </mc:Choice>
+    <mc:Fallback xmlns="">
+      <p:transition spd="med">
+        <p:fade/>
+      </p:transition>
+    </mc:Fallback>
+  </mc:AlternateContent>
+</p:sld>
+</file>
+
+<file path=ppt/slides/slide7.xml><?xml version="1.0" encoding="utf-8"?>
+<p:sld xmlns:a="http://schemas.openxmlformats.org/drawingml/2006/main" xmlns:r="http://schemas.openxmlformats.org/officeDocument/2006/relationships" xmlns:p="http://schemas.openxmlformats.org/presentationml/2006/main">
+  <p:cSld>
+    <p:spTree>
+      <p:nvGrpSpPr>
+        <p:cNvPr id="1" name=""/>
+        <p:cNvGrpSpPr/>
+        <p:nvPr/>
+      </p:nvGrpSpPr>
+      <p:grpSpPr>
+        <a:xfrm>
+          <a:off x="0" y="0"/>
+          <a:ext cx="0" cy="0"/>
+          <a:chOff x="0" y="0"/>
+          <a:chExt cx="0" cy="0"/>
+        </a:xfrm>
+      </p:grpSpPr>
+      <p:sp>
+        <p:nvSpPr>
+          <p:cNvPr id="2" name="Заголовок 1"/>
+          <p:cNvSpPr>
+            <a:spLocks noGrp="1"/>
+          </p:cNvSpPr>
+          <p:nvPr>
+            <p:ph type="title"/>
+          </p:nvPr>
+        </p:nvSpPr>
+        <p:spPr/>
+        <p:txBody>
+          <a:bodyPr/>
+          <a:lstStyle/>
+          <a:p>
+            <a:r>
+              <a:rPr lang="ru-RU" dirty="0"/>
+              <a:t>Оборудование</a:t>
+            </a:r>
+          </a:p>
+        </p:txBody>
+      </p:sp>
+      <p:sp>
+        <p:nvSpPr>
+          <p:cNvPr id="4" name="TextBox 3"/>
+          <p:cNvSpPr txBox="1"/>
+          <p:nvPr/>
+        </p:nvSpPr>
+        <p:spPr>
+          <a:xfrm>
+            <a:off x="690036" y="1377907"/>
+            <a:ext cx="5157950" cy="1815882"/>
+          </a:xfrm>
+          <a:prstGeom prst="rect">
+            <a:avLst/>
+          </a:prstGeom>
+          <a:noFill/>
+        </p:spPr>
+        <p:txBody>
+          <a:bodyPr wrap="none" rtlCol="0">
+            <a:spAutoFit/>
+          </a:bodyPr>
+          <a:lstStyle/>
+          <a:p>
             <a:pPr lvl="0"/>
             <a:r>
               <a:rPr lang="ru-RU" sz="2400" dirty="0"/>
@@ -4601,15 +5119,12 @@
           <a:p>
             <a:pPr lvl="0"/>
             <a:r>
+              <a:rPr lang="ru-RU" sz="2400" dirty="0" smtClean="0"/>
+              <a:t>● </a:t>
+            </a:r>
+            <a:r>
               <a:rPr lang="ru-RU" sz="2400" dirty="0"/>
-              <a:t>● Лампочка светодиода</a:t>
-            </a:r>
-          </a:p>
-          <a:p>
-            <a:pPr lvl="0"/>
-            <a:r>
-              <a:rPr lang="ru-RU" sz="2400" dirty="0"/>
-              <a:t>● Элемент связи из </a:t>
+              <a:t>Элемент связи из </a:t>
             </a:r>
             <a:r>
               <a:rPr lang="en-US" sz="2400" dirty="0"/>
@@ -4696,466 +5211,6 @@
 </p:sld>
 </file>
 
-<file path=ppt/slides/slide7.xml><?xml version="1.0" encoding="utf-8"?>
-<p:sld xmlns:a="http://schemas.openxmlformats.org/drawingml/2006/main" xmlns:r="http://schemas.openxmlformats.org/officeDocument/2006/relationships" xmlns:p="http://schemas.openxmlformats.org/presentationml/2006/main">
-  <p:cSld>
-    <p:spTree>
-      <p:nvGrpSpPr>
-        <p:cNvPr id="1" name=""/>
-        <p:cNvGrpSpPr/>
-        <p:nvPr/>
-      </p:nvGrpSpPr>
-      <p:grpSpPr>
-        <a:xfrm>
-          <a:off x="0" y="0"/>
-          <a:ext cx="0" cy="0"/>
-          <a:chOff x="0" y="0"/>
-          <a:chExt cx="0" cy="0"/>
-        </a:xfrm>
-      </p:grpSpPr>
-      <p:sp>
-        <p:nvSpPr>
-          <p:cNvPr id="2" name="Заголовок 1"/>
-          <p:cNvSpPr>
-            <a:spLocks noGrp="1"/>
-          </p:cNvSpPr>
-          <p:nvPr>
-            <p:ph type="title"/>
-          </p:nvPr>
-        </p:nvSpPr>
-        <p:spPr/>
-        <p:txBody>
-          <a:bodyPr/>
-          <a:lstStyle/>
-          <a:p>
-            <a:r>
-              <a:rPr lang="ru-RU" dirty="0"/>
-              <a:t>Оборудование</a:t>
-            </a:r>
-          </a:p>
-        </p:txBody>
-      </p:sp>
-      <p:sp>
-        <p:nvSpPr>
-          <p:cNvPr id="4" name="TextBox 3"/>
-          <p:cNvSpPr txBox="1"/>
-          <p:nvPr/>
-        </p:nvSpPr>
-        <p:spPr>
-          <a:xfrm>
-            <a:off x="287866" y="1231509"/>
-            <a:ext cx="11663834" cy="4524315"/>
-          </a:xfrm>
-          <a:prstGeom prst="rect">
-            <a:avLst/>
-          </a:prstGeom>
-          <a:noFill/>
-        </p:spPr>
-        <p:txBody>
-          <a:bodyPr wrap="none" rtlCol="0">
-            <a:spAutoFit/>
-          </a:bodyPr>
-          <a:lstStyle/>
-          <a:p>
-            <a:r>
-              <a:rPr lang="ru-RU" sz="2400" dirty="0">
-                <a:solidFill>
-                  <a:srgbClr val="263996"/>
-                </a:solidFill>
-              </a:rPr>
-              <a:t>– Базовая станция, реализованная на STM32L151CCU6 (1650 рублей, </a:t>
-            </a:r>
-            <a:endParaRPr lang="en-US" sz="2400" dirty="0">
-              <a:solidFill>
-                <a:srgbClr val="263996"/>
-              </a:solidFill>
-            </a:endParaRPr>
-          </a:p>
-          <a:p>
-            <a:r>
-              <a:rPr lang="en-US" sz="2400" dirty="0">
-                <a:solidFill>
-                  <a:srgbClr val="263996"/>
-                </a:solidFill>
-              </a:rPr>
-              <a:t>       </a:t>
-            </a:r>
-            <a:r>
-              <a:rPr lang="ru-RU" sz="2400" dirty="0">
-                <a:solidFill>
-                  <a:srgbClr val="263996"/>
-                </a:solidFill>
-              </a:rPr>
-              <a:t>если в корпусе </a:t>
-            </a:r>
-            <a:r>
-              <a:rPr lang="en-US" sz="2400" dirty="0">
-                <a:solidFill>
-                  <a:srgbClr val="263996"/>
-                </a:solidFill>
-              </a:rPr>
-              <a:t>Unwired Range</a:t>
-            </a:r>
-            <a:r>
-              <a:rPr lang="ru-RU" sz="2400" dirty="0">
-                <a:solidFill>
-                  <a:srgbClr val="263996"/>
-                </a:solidFill>
-              </a:rPr>
-              <a:t>), </a:t>
-            </a:r>
-            <a:r>
-              <a:rPr lang="en-US" sz="2400" dirty="0">
-                <a:solidFill>
-                  <a:srgbClr val="263996"/>
-                </a:solidFill>
-              </a:rPr>
-              <a:t>UMDK</a:t>
-            </a:r>
-            <a:r>
-              <a:rPr lang="ru-RU" sz="2400" dirty="0">
-                <a:solidFill>
-                  <a:srgbClr val="263996"/>
-                </a:solidFill>
-              </a:rPr>
-              <a:t>-</a:t>
-            </a:r>
-            <a:r>
-              <a:rPr lang="en-US" sz="2400" dirty="0">
-                <a:solidFill>
-                  <a:srgbClr val="263996"/>
-                </a:solidFill>
-              </a:rPr>
-              <a:t>RF </a:t>
-            </a:r>
-            <a:r>
-              <a:rPr lang="ru-RU" sz="2400" dirty="0">
-                <a:solidFill>
-                  <a:srgbClr val="263996"/>
-                </a:solidFill>
-              </a:rPr>
-              <a:t>(1290 рублей), </a:t>
-            </a:r>
-            <a:r>
-              <a:rPr lang="en-US" sz="2400" dirty="0">
-                <a:solidFill>
-                  <a:srgbClr val="263996"/>
-                </a:solidFill>
-              </a:rPr>
-              <a:t>UMDK</a:t>
-            </a:r>
-            <a:r>
-              <a:rPr lang="ru-RU" sz="2400" dirty="0">
-                <a:solidFill>
-                  <a:srgbClr val="263996"/>
-                </a:solidFill>
-              </a:rPr>
-              <a:t>-</a:t>
-            </a:r>
-            <a:r>
-              <a:rPr lang="en-US" sz="2400" dirty="0">
-                <a:solidFill>
-                  <a:srgbClr val="263996"/>
-                </a:solidFill>
-              </a:rPr>
-              <a:t>GATE</a:t>
-            </a:r>
-            <a:r>
-              <a:rPr lang="ru-RU" sz="2400" dirty="0">
-                <a:solidFill>
-                  <a:srgbClr val="263996"/>
-                </a:solidFill>
-              </a:rPr>
-              <a:t>/</a:t>
-            </a:r>
-            <a:r>
-              <a:rPr lang="en-US" sz="2400" dirty="0">
-                <a:solidFill>
-                  <a:srgbClr val="263996"/>
-                </a:solidFill>
-              </a:rPr>
-              <a:t>E</a:t>
-            </a:r>
-            <a:r>
-              <a:rPr lang="ru-RU" sz="2400" dirty="0">
-                <a:solidFill>
-                  <a:srgbClr val="263996"/>
-                </a:solidFill>
-              </a:rPr>
-              <a:t> и </a:t>
-            </a:r>
-            <a:endParaRPr lang="en-US" sz="2400" dirty="0">
-              <a:solidFill>
-                <a:srgbClr val="263996"/>
-              </a:solidFill>
-            </a:endParaRPr>
-          </a:p>
-          <a:p>
-            <a:r>
-              <a:rPr lang="en-US" sz="2400" dirty="0">
-                <a:solidFill>
-                  <a:srgbClr val="263996"/>
-                </a:solidFill>
-              </a:rPr>
-              <a:t>       </a:t>
-            </a:r>
-            <a:r>
-              <a:rPr lang="ru-RU" sz="2400" dirty="0">
-                <a:solidFill>
-                  <a:srgbClr val="263996"/>
-                </a:solidFill>
-              </a:rPr>
-              <a:t>на основе микрокомпьютера</a:t>
-            </a:r>
-            <a:r>
-              <a:rPr lang="en-US" sz="2400" dirty="0">
-                <a:solidFill>
-                  <a:srgbClr val="263996"/>
-                </a:solidFill>
-              </a:rPr>
-              <a:t> Black Swift</a:t>
-            </a:r>
-            <a:r>
-              <a:rPr lang="ru-RU" sz="2400" dirty="0">
-                <a:solidFill>
-                  <a:srgbClr val="263996"/>
-                </a:solidFill>
-              </a:rPr>
-              <a:t>/</a:t>
-            </a:r>
-            <a:r>
-              <a:rPr lang="en-US" sz="2400" dirty="0">
-                <a:solidFill>
-                  <a:srgbClr val="263996"/>
-                </a:solidFill>
-              </a:rPr>
-              <a:t>Unwired One</a:t>
-            </a:r>
-            <a:r>
-              <a:rPr lang="ru-RU" sz="2400" dirty="0">
-                <a:solidFill>
-                  <a:srgbClr val="263996"/>
-                </a:solidFill>
-              </a:rPr>
-              <a:t> (1800 рублей);</a:t>
-            </a:r>
-          </a:p>
-          <a:p>
-            <a:r>
-              <a:rPr lang="ru-RU" sz="2400" dirty="0">
-                <a:solidFill>
-                  <a:srgbClr val="263996"/>
-                </a:solidFill>
-              </a:rPr>
-              <a:t>– Датчик тока </a:t>
-            </a:r>
-            <a:r>
-              <a:rPr lang="en-US" sz="2400" dirty="0">
-                <a:solidFill>
-                  <a:srgbClr val="263996"/>
-                </a:solidFill>
-              </a:rPr>
-              <a:t>ACS</a:t>
-            </a:r>
-            <a:r>
-              <a:rPr lang="ru-RU" sz="2400" dirty="0">
-                <a:solidFill>
-                  <a:srgbClr val="263996"/>
-                </a:solidFill>
-              </a:rPr>
-              <a:t>712 (180 рублей);</a:t>
-            </a:r>
-          </a:p>
-          <a:p>
-            <a:r>
-              <a:rPr lang="ru-RU" sz="2400" dirty="0">
-                <a:solidFill>
-                  <a:srgbClr val="263996"/>
-                </a:solidFill>
-              </a:rPr>
-              <a:t>– Лампочка светодиодная (140 рублей);</a:t>
-            </a:r>
-          </a:p>
-          <a:p>
-            <a:r>
-              <a:rPr lang="ru-RU" sz="2400" dirty="0">
-                <a:solidFill>
-                  <a:srgbClr val="263996"/>
-                </a:solidFill>
-              </a:rPr>
-              <a:t>– Элемент связи датчика со станцией, реализованный на </a:t>
-            </a:r>
-            <a:r>
-              <a:rPr lang="en-US" sz="2400" dirty="0">
-                <a:solidFill>
-                  <a:srgbClr val="263996"/>
-                </a:solidFill>
-              </a:rPr>
-              <a:t>Unwired Range</a:t>
-            </a:r>
-            <a:r>
-              <a:rPr lang="ru-RU" sz="2400" dirty="0">
-                <a:solidFill>
-                  <a:srgbClr val="263996"/>
-                </a:solidFill>
-              </a:rPr>
-              <a:t> (1650 рублей), </a:t>
-            </a:r>
-            <a:endParaRPr lang="en-US" sz="2400" dirty="0">
-              <a:solidFill>
-                <a:srgbClr val="263996"/>
-              </a:solidFill>
-            </a:endParaRPr>
-          </a:p>
-          <a:p>
-            <a:r>
-              <a:rPr lang="en-US" sz="2400" dirty="0">
-                <a:solidFill>
-                  <a:srgbClr val="263996"/>
-                </a:solidFill>
-              </a:rPr>
-              <a:t>      UMDK</a:t>
-            </a:r>
-            <a:r>
-              <a:rPr lang="ru-RU" sz="2400" dirty="0">
-                <a:solidFill>
-                  <a:srgbClr val="263996"/>
-                </a:solidFill>
-              </a:rPr>
-              <a:t>-</a:t>
-            </a:r>
-            <a:r>
-              <a:rPr lang="en-US" sz="2400" dirty="0">
-                <a:solidFill>
-                  <a:srgbClr val="263996"/>
-                </a:solidFill>
-              </a:rPr>
-              <a:t>RF </a:t>
-            </a:r>
-            <a:r>
-              <a:rPr lang="ru-RU" sz="2400" dirty="0">
-                <a:solidFill>
-                  <a:srgbClr val="263996"/>
-                </a:solidFill>
-              </a:rPr>
-              <a:t>(1290 рублей);</a:t>
-            </a:r>
-            <a:endParaRPr lang="en-US" sz="2400" dirty="0">
-              <a:solidFill>
-                <a:srgbClr val="263996"/>
-              </a:solidFill>
-            </a:endParaRPr>
-          </a:p>
-          <a:p>
-            <a:endParaRPr lang="en-US" sz="2400" dirty="0">
-              <a:solidFill>
-                <a:srgbClr val="263996"/>
-              </a:solidFill>
-            </a:endParaRPr>
-          </a:p>
-          <a:p>
-            <a:endParaRPr lang="en-US" sz="2400" dirty="0">
-              <a:solidFill>
-                <a:srgbClr val="263996"/>
-              </a:solidFill>
-            </a:endParaRPr>
-          </a:p>
-          <a:p>
-            <a:endParaRPr lang="ru-RU" sz="2400" dirty="0">
-              <a:solidFill>
-                <a:srgbClr val="263996"/>
-              </a:solidFill>
-            </a:endParaRPr>
-          </a:p>
-          <a:p>
-            <a:r>
-              <a:rPr lang="ru-RU" sz="2400" dirty="0">
-                <a:solidFill>
-                  <a:srgbClr val="263996"/>
-                </a:solidFill>
-              </a:rPr>
-              <a:t>Общая стоимость без учета </a:t>
-            </a:r>
-            <a:r>
-              <a:rPr lang="en-US" sz="2400" dirty="0">
-                <a:solidFill>
-                  <a:srgbClr val="263996"/>
-                </a:solidFill>
-              </a:rPr>
-              <a:t>UMDK</a:t>
-            </a:r>
-            <a:r>
-              <a:rPr lang="ru-RU" sz="2400" dirty="0">
-                <a:solidFill>
-                  <a:srgbClr val="263996"/>
-                </a:solidFill>
-              </a:rPr>
-              <a:t>-</a:t>
-            </a:r>
-            <a:r>
-              <a:rPr lang="en-US" sz="2400" dirty="0">
-                <a:solidFill>
-                  <a:srgbClr val="263996"/>
-                </a:solidFill>
-              </a:rPr>
-              <a:t>GATE</a:t>
-            </a:r>
-            <a:r>
-              <a:rPr lang="ru-RU" sz="2400" dirty="0">
-                <a:solidFill>
-                  <a:srgbClr val="263996"/>
-                </a:solidFill>
-              </a:rPr>
-              <a:t>/</a:t>
-            </a:r>
-            <a:r>
-              <a:rPr lang="en-US" sz="2400" dirty="0">
-                <a:solidFill>
-                  <a:srgbClr val="263996"/>
-                </a:solidFill>
-              </a:rPr>
-              <a:t>E </a:t>
-            </a:r>
-            <a:r>
-              <a:rPr lang="ru-RU" sz="2400" dirty="0">
-                <a:solidFill>
-                  <a:srgbClr val="263996"/>
-                </a:solidFill>
-              </a:rPr>
-              <a:t>составляет примерно 8000 рублей</a:t>
-            </a:r>
-          </a:p>
-          <a:p>
-            <a:pPr lvl="0"/>
-            <a:endParaRPr lang="ru-RU" sz="2400" dirty="0"/>
-          </a:p>
-        </p:txBody>
-      </p:sp>
-    </p:spTree>
-    <p:extLst>
-      <p:ext uri="{BB962C8B-B14F-4D97-AF65-F5344CB8AC3E}">
-        <p14:creationId xmlns:p14="http://schemas.microsoft.com/office/powerpoint/2010/main" val="3142597761"/>
-      </p:ext>
-    </p:extLst>
-  </p:cSld>
-  <p:clrMapOvr>
-    <a:masterClrMapping/>
-  </p:clrMapOvr>
-  <mc:AlternateContent xmlns:mc="http://schemas.openxmlformats.org/markup-compatibility/2006" xmlns:p14="http://schemas.microsoft.com/office/powerpoint/2010/main">
-    <mc:Choice Requires="p14">
-      <p:transition spd="med" p14:dur="700">
-        <p:fade/>
-      </p:transition>
-    </mc:Choice>
-    <mc:Fallback xmlns="">
-      <p:transition spd="med">
-        <p:fade/>
-      </p:transition>
-    </mc:Fallback>
-  </mc:AlternateContent>
-</p:sld>
-</file>
-
 <file path=ppt/slides/slide8.xml><?xml version="1.0" encoding="utf-8"?>
 <p:sld xmlns:a="http://schemas.openxmlformats.org/drawingml/2006/main" xmlns:r="http://schemas.openxmlformats.org/officeDocument/2006/relationships" xmlns:p="http://schemas.openxmlformats.org/presentationml/2006/main">
   <p:cSld>
@@ -5237,7 +5292,7 @@
               </a:spcAft>
             </a:pPr>
             <a:r>
-              <a:rPr lang="ru-RU" sz="2400" smtClean="0">
+              <a:rPr lang="ru-RU" sz="2400" dirty="0" smtClean="0">
                 <a:solidFill>
                   <a:srgbClr val="263996"/>
                 </a:solidFill>
@@ -5268,7 +5323,47 @@
                   <a:srgbClr val="263996"/>
                 </a:solidFill>
               </a:rPr>
-              <a:t>– Светодиодная лампа ≈ 6*60мА ≈ 360 мА</a:t>
+              <a:t>– </a:t>
+            </a:r>
+            <a:r>
+              <a:rPr lang="en-US" sz="2400" dirty="0" err="1" smtClean="0">
+                <a:solidFill>
+                  <a:srgbClr val="263996"/>
+                </a:solidFill>
+              </a:rPr>
+              <a:t>LoRa</a:t>
+            </a:r>
+            <a:r>
+              <a:rPr lang="en-US" sz="2400" dirty="0" smtClean="0">
+                <a:solidFill>
+                  <a:srgbClr val="263996"/>
+                </a:solidFill>
+              </a:rPr>
+              <a:t> </a:t>
+            </a:r>
+            <a:r>
+              <a:rPr lang="ru-RU" sz="2400" dirty="0" smtClean="0">
+                <a:solidFill>
+                  <a:srgbClr val="263996"/>
+                </a:solidFill>
+              </a:rPr>
+              <a:t>модем ≈</a:t>
+            </a:r>
+            <a:r>
+              <a:rPr lang="en-US" sz="2400" dirty="0" smtClean="0">
+                <a:solidFill>
+                  <a:srgbClr val="263996"/>
+                </a:solidFill>
+              </a:rPr>
+              <a:t> 30 </a:t>
+            </a:r>
+            <a:r>
+              <a:rPr lang="ru-RU" sz="2400" dirty="0" smtClean="0">
+                <a:solidFill>
+                  <a:srgbClr val="263996"/>
+                </a:solidFill>
+              </a:rPr>
+              <a:t>мА</a:t>
             </a:r>
             <a:endParaRPr lang="en-US" sz="2400" dirty="0">
               <a:solidFill>
@@ -5336,7 +5431,39 @@
                   <a:srgbClr val="263996"/>
                 </a:solidFill>
               </a:rPr>
-              <a:t>Общая сумма  ≈ 375 мА</a:t>
+              <a:t>Общая сумма </a:t>
+            </a:r>
+            <a:r>
+              <a:rPr lang="ru-RU" sz="2400" dirty="0" smtClean="0">
+                <a:solidFill>
+                  <a:srgbClr val="263996"/>
+                </a:solidFill>
+              </a:rPr>
+              <a:t>≈ </a:t>
+            </a:r>
+            <a:r>
+              <a:rPr lang="ru-RU" sz="2400" dirty="0" smtClean="0">
+                <a:solidFill>
+                  <a:srgbClr val="263996"/>
+                </a:solidFill>
+              </a:rPr>
+              <a:t>45</a:t>
+            </a:r>
+            <a:r>
+              <a:rPr lang="ru-RU" sz="2400" dirty="0" smtClean="0">
+                <a:solidFill>
+                  <a:srgbClr val="263996"/>
+                </a:solidFill>
+              </a:rPr>
+              <a:t> </a:t>
+            </a:r>
+            <a:r>
+              <a:rPr lang="ru-RU" sz="2400" dirty="0">
+                <a:solidFill>
+                  <a:srgbClr val="263996"/>
+                </a:solidFill>
+              </a:rPr>
+              <a:t>мА</a:t>
             </a:r>
           </a:p>
         </p:txBody>

--- a/docs/SAMSUNG_IoT_Academy_Presentation_Template_2019_1.pptx
+++ b/docs/SAMSUNG_IoT_Academy_Presentation_Template_2019_1.pptx
@@ -13,8 +13,8 @@
     <p:sldId id="258" r:id="rId4"/>
     <p:sldId id="259" r:id="rId5"/>
     <p:sldId id="260" r:id="rId6"/>
-    <p:sldId id="264" r:id="rId7"/>
-    <p:sldId id="261" r:id="rId8"/>
+    <p:sldId id="261" r:id="rId7"/>
+    <p:sldId id="264" r:id="rId8"/>
     <p:sldId id="273" r:id="rId9"/>
     <p:sldId id="262" r:id="rId10"/>
     <p:sldId id="263" r:id="rId11"/>
@@ -1066,7 +1066,7 @@
     </p:spTree>
     <p:extLst>
       <p:ext uri="{BB962C8B-B14F-4D97-AF65-F5344CB8AC3E}">
-        <p14:creationId xmlns:p14="http://schemas.microsoft.com/office/powerpoint/2010/main" val="753385895"/>
+        <p14:creationId xmlns:p14="http://schemas.microsoft.com/office/powerpoint/2010/main" val="1548615848"/>
       </p:ext>
     </p:extLst>
   </p:cSld>
@@ -1150,7 +1150,7 @@
     </p:spTree>
     <p:extLst>
       <p:ext uri="{BB962C8B-B14F-4D97-AF65-F5344CB8AC3E}">
-        <p14:creationId xmlns:p14="http://schemas.microsoft.com/office/powerpoint/2010/main" val="1548615848"/>
+        <p14:creationId xmlns:p14="http://schemas.microsoft.com/office/powerpoint/2010/main" val="753385895"/>
       </p:ext>
     </p:extLst>
   </p:cSld>
@@ -4582,500 +4582,6 @@
         </p:nvSpPr>
         <p:spPr>
           <a:xfrm>
-            <a:off x="287866" y="1231509"/>
-            <a:ext cx="11663834" cy="4524315"/>
-          </a:xfrm>
-          <a:prstGeom prst="rect">
-            <a:avLst/>
-          </a:prstGeom>
-          <a:noFill/>
-        </p:spPr>
-        <p:txBody>
-          <a:bodyPr wrap="none" rtlCol="0">
-            <a:spAutoFit/>
-          </a:bodyPr>
-          <a:lstStyle/>
-          <a:p>
-            <a:r>
-              <a:rPr lang="ru-RU" sz="2400" dirty="0">
-                <a:solidFill>
-                  <a:srgbClr val="263996"/>
-                </a:solidFill>
-              </a:rPr>
-              <a:t>– Базовая станция, реализованная на STM32L151CCU6 (1650 рублей, </a:t>
-            </a:r>
-            <a:endParaRPr lang="en-US" sz="2400" dirty="0">
-              <a:solidFill>
-                <a:srgbClr val="263996"/>
-              </a:solidFill>
-            </a:endParaRPr>
-          </a:p>
-          <a:p>
-            <a:r>
-              <a:rPr lang="en-US" sz="2400" dirty="0">
-                <a:solidFill>
-                  <a:srgbClr val="263996"/>
-                </a:solidFill>
-              </a:rPr>
-              <a:t>       </a:t>
-            </a:r>
-            <a:r>
-              <a:rPr lang="ru-RU" sz="2400" dirty="0">
-                <a:solidFill>
-                  <a:srgbClr val="263996"/>
-                </a:solidFill>
-              </a:rPr>
-              <a:t>если в корпусе </a:t>
-            </a:r>
-            <a:r>
-              <a:rPr lang="en-US" sz="2400" dirty="0">
-                <a:solidFill>
-                  <a:srgbClr val="263996"/>
-                </a:solidFill>
-              </a:rPr>
-              <a:t>Unwired Range</a:t>
-            </a:r>
-            <a:r>
-              <a:rPr lang="ru-RU" sz="2400" dirty="0">
-                <a:solidFill>
-                  <a:srgbClr val="263996"/>
-                </a:solidFill>
-              </a:rPr>
-              <a:t>), </a:t>
-            </a:r>
-            <a:r>
-              <a:rPr lang="en-US" sz="2400" dirty="0">
-                <a:solidFill>
-                  <a:srgbClr val="263996"/>
-                </a:solidFill>
-              </a:rPr>
-              <a:t>UMDK</a:t>
-            </a:r>
-            <a:r>
-              <a:rPr lang="ru-RU" sz="2400" dirty="0">
-                <a:solidFill>
-                  <a:srgbClr val="263996"/>
-                </a:solidFill>
-              </a:rPr>
-              <a:t>-</a:t>
-            </a:r>
-            <a:r>
-              <a:rPr lang="en-US" sz="2400" dirty="0">
-                <a:solidFill>
-                  <a:srgbClr val="263996"/>
-                </a:solidFill>
-              </a:rPr>
-              <a:t>RF </a:t>
-            </a:r>
-            <a:r>
-              <a:rPr lang="ru-RU" sz="2400" dirty="0">
-                <a:solidFill>
-                  <a:srgbClr val="263996"/>
-                </a:solidFill>
-              </a:rPr>
-              <a:t>(1290 рублей), </a:t>
-            </a:r>
-            <a:r>
-              <a:rPr lang="en-US" sz="2400" dirty="0">
-                <a:solidFill>
-                  <a:srgbClr val="263996"/>
-                </a:solidFill>
-              </a:rPr>
-              <a:t>UMDK</a:t>
-            </a:r>
-            <a:r>
-              <a:rPr lang="ru-RU" sz="2400" dirty="0">
-                <a:solidFill>
-                  <a:srgbClr val="263996"/>
-                </a:solidFill>
-              </a:rPr>
-              <a:t>-</a:t>
-            </a:r>
-            <a:r>
-              <a:rPr lang="en-US" sz="2400" dirty="0">
-                <a:solidFill>
-                  <a:srgbClr val="263996"/>
-                </a:solidFill>
-              </a:rPr>
-              <a:t>GATE</a:t>
-            </a:r>
-            <a:r>
-              <a:rPr lang="ru-RU" sz="2400" dirty="0">
-                <a:solidFill>
-                  <a:srgbClr val="263996"/>
-                </a:solidFill>
-              </a:rPr>
-              <a:t>/</a:t>
-            </a:r>
-            <a:r>
-              <a:rPr lang="en-US" sz="2400" dirty="0">
-                <a:solidFill>
-                  <a:srgbClr val="263996"/>
-                </a:solidFill>
-              </a:rPr>
-              <a:t>E</a:t>
-            </a:r>
-            <a:r>
-              <a:rPr lang="ru-RU" sz="2400" dirty="0">
-                <a:solidFill>
-                  <a:srgbClr val="263996"/>
-                </a:solidFill>
-              </a:rPr>
-              <a:t> и </a:t>
-            </a:r>
-            <a:endParaRPr lang="en-US" sz="2400" dirty="0">
-              <a:solidFill>
-                <a:srgbClr val="263996"/>
-              </a:solidFill>
-            </a:endParaRPr>
-          </a:p>
-          <a:p>
-            <a:r>
-              <a:rPr lang="en-US" sz="2400" dirty="0">
-                <a:solidFill>
-                  <a:srgbClr val="263996"/>
-                </a:solidFill>
-              </a:rPr>
-              <a:t>       </a:t>
-            </a:r>
-            <a:r>
-              <a:rPr lang="ru-RU" sz="2400" dirty="0">
-                <a:solidFill>
-                  <a:srgbClr val="263996"/>
-                </a:solidFill>
-              </a:rPr>
-              <a:t>на основе микрокомпьютера</a:t>
-            </a:r>
-            <a:r>
-              <a:rPr lang="en-US" sz="2400" dirty="0">
-                <a:solidFill>
-                  <a:srgbClr val="263996"/>
-                </a:solidFill>
-              </a:rPr>
-              <a:t> Black Swift</a:t>
-            </a:r>
-            <a:r>
-              <a:rPr lang="ru-RU" sz="2400" dirty="0">
-                <a:solidFill>
-                  <a:srgbClr val="263996"/>
-                </a:solidFill>
-              </a:rPr>
-              <a:t>/</a:t>
-            </a:r>
-            <a:r>
-              <a:rPr lang="en-US" sz="2400" dirty="0">
-                <a:solidFill>
-                  <a:srgbClr val="263996"/>
-                </a:solidFill>
-              </a:rPr>
-              <a:t>Unwired One</a:t>
-            </a:r>
-            <a:r>
-              <a:rPr lang="ru-RU" sz="2400" dirty="0">
-                <a:solidFill>
-                  <a:srgbClr val="263996"/>
-                </a:solidFill>
-              </a:rPr>
-              <a:t> (1800 рублей</a:t>
-            </a:r>
-            <a:r>
-              <a:rPr lang="ru-RU" sz="2400" dirty="0" smtClean="0">
-                <a:solidFill>
-                  <a:srgbClr val="263996"/>
-                </a:solidFill>
-              </a:rPr>
-              <a:t>);</a:t>
-            </a:r>
-          </a:p>
-          <a:p>
-            <a:endParaRPr lang="en-US" sz="2400" dirty="0" smtClean="0">
-              <a:solidFill>
-                <a:srgbClr val="263996"/>
-              </a:solidFill>
-            </a:endParaRPr>
-          </a:p>
-          <a:p>
-            <a:r>
-              <a:rPr lang="ru-RU" sz="2400" dirty="0" smtClean="0">
-                <a:solidFill>
-                  <a:srgbClr val="263996"/>
-                </a:solidFill>
-              </a:rPr>
-              <a:t>Из этого понятно, что стоимость базы без учета </a:t>
-            </a:r>
-            <a:r>
-              <a:rPr lang="en-US" sz="2400" dirty="0">
-                <a:solidFill>
-                  <a:srgbClr val="263996"/>
-                </a:solidFill>
-              </a:rPr>
-              <a:t>UMDK</a:t>
-            </a:r>
-            <a:r>
-              <a:rPr lang="ru-RU" sz="2400" dirty="0">
-                <a:solidFill>
-                  <a:srgbClr val="263996"/>
-                </a:solidFill>
-              </a:rPr>
-              <a:t>-</a:t>
-            </a:r>
-            <a:r>
-              <a:rPr lang="en-US" sz="2400" dirty="0">
-                <a:solidFill>
-                  <a:srgbClr val="263996"/>
-                </a:solidFill>
-              </a:rPr>
-              <a:t>GATE</a:t>
-            </a:r>
-            <a:r>
-              <a:rPr lang="ru-RU" sz="2400" dirty="0">
-                <a:solidFill>
-                  <a:srgbClr val="263996"/>
-                </a:solidFill>
-              </a:rPr>
-              <a:t>/</a:t>
-            </a:r>
-            <a:r>
-              <a:rPr lang="en-US" sz="2400" dirty="0" smtClean="0">
-                <a:solidFill>
-                  <a:srgbClr val="263996"/>
-                </a:solidFill>
-              </a:rPr>
-              <a:t>E</a:t>
-            </a:r>
-            <a:r>
-              <a:rPr lang="ru-RU" sz="2400" dirty="0" smtClean="0">
-                <a:solidFill>
-                  <a:srgbClr val="263996"/>
-                </a:solidFill>
-              </a:rPr>
-              <a:t> составляет 4740 рублей</a:t>
-            </a:r>
-            <a:endParaRPr lang="en-US" sz="2400" dirty="0">
-              <a:solidFill>
-                <a:srgbClr val="263996"/>
-              </a:solidFill>
-            </a:endParaRPr>
-          </a:p>
-          <a:p>
-            <a:endParaRPr lang="ru-RU" sz="2400" dirty="0">
-              <a:solidFill>
-                <a:srgbClr val="263996"/>
-              </a:solidFill>
-            </a:endParaRPr>
-          </a:p>
-          <a:p>
-            <a:r>
-              <a:rPr lang="ru-RU" sz="2400" dirty="0">
-                <a:solidFill>
-                  <a:srgbClr val="263996"/>
-                </a:solidFill>
-              </a:rPr>
-              <a:t>– Датчик тока </a:t>
-            </a:r>
-            <a:r>
-              <a:rPr lang="en-US" sz="2400" dirty="0">
-                <a:solidFill>
-                  <a:srgbClr val="263996"/>
-                </a:solidFill>
-              </a:rPr>
-              <a:t>ACS</a:t>
-            </a:r>
-            <a:r>
-              <a:rPr lang="ru-RU" sz="2400" dirty="0">
-                <a:solidFill>
-                  <a:srgbClr val="263996"/>
-                </a:solidFill>
-              </a:rPr>
-              <a:t>712 (180 рублей);</a:t>
-            </a:r>
-          </a:p>
-          <a:p>
-            <a:r>
-              <a:rPr lang="ru-RU" sz="2400" dirty="0" smtClean="0">
-                <a:solidFill>
-                  <a:srgbClr val="263996"/>
-                </a:solidFill>
-              </a:rPr>
-              <a:t>– </a:t>
-            </a:r>
-            <a:r>
-              <a:rPr lang="ru-RU" sz="2400" dirty="0">
-                <a:solidFill>
-                  <a:srgbClr val="263996"/>
-                </a:solidFill>
-              </a:rPr>
-              <a:t>Элемент связи датчика со станцией, реализованный на </a:t>
-            </a:r>
-            <a:r>
-              <a:rPr lang="en-US" sz="2400" dirty="0">
-                <a:solidFill>
-                  <a:srgbClr val="263996"/>
-                </a:solidFill>
-              </a:rPr>
-              <a:t>Unwired Range</a:t>
-            </a:r>
-            <a:r>
-              <a:rPr lang="ru-RU" sz="2400" dirty="0">
-                <a:solidFill>
-                  <a:srgbClr val="263996"/>
-                </a:solidFill>
-              </a:rPr>
-              <a:t> (1650 рублей), </a:t>
-            </a:r>
-            <a:endParaRPr lang="en-US" sz="2400" dirty="0">
-              <a:solidFill>
-                <a:srgbClr val="263996"/>
-              </a:solidFill>
-            </a:endParaRPr>
-          </a:p>
-          <a:p>
-            <a:r>
-              <a:rPr lang="en-US" sz="2400" dirty="0">
-                <a:solidFill>
-                  <a:srgbClr val="263996"/>
-                </a:solidFill>
-              </a:rPr>
-              <a:t>      UMDK</a:t>
-            </a:r>
-            <a:r>
-              <a:rPr lang="ru-RU" sz="2400" dirty="0">
-                <a:solidFill>
-                  <a:srgbClr val="263996"/>
-                </a:solidFill>
-              </a:rPr>
-              <a:t>-</a:t>
-            </a:r>
-            <a:r>
-              <a:rPr lang="en-US" sz="2400" dirty="0">
-                <a:solidFill>
-                  <a:srgbClr val="263996"/>
-                </a:solidFill>
-              </a:rPr>
-              <a:t>RF </a:t>
-            </a:r>
-            <a:r>
-              <a:rPr lang="ru-RU" sz="2400" dirty="0">
-                <a:solidFill>
-                  <a:srgbClr val="263996"/>
-                </a:solidFill>
-              </a:rPr>
-              <a:t>(1290 рублей);</a:t>
-            </a:r>
-            <a:endParaRPr lang="en-US" sz="2400" dirty="0">
-              <a:solidFill>
-                <a:srgbClr val="263996"/>
-              </a:solidFill>
-            </a:endParaRPr>
-          </a:p>
-          <a:p>
-            <a:endParaRPr lang="ru-RU" sz="2400" dirty="0">
-              <a:solidFill>
-                <a:srgbClr val="263996"/>
-              </a:solidFill>
-            </a:endParaRPr>
-          </a:p>
-          <a:p>
-            <a:r>
-              <a:rPr lang="ru-RU" sz="2400" dirty="0">
-                <a:solidFill>
-                  <a:srgbClr val="263996"/>
-                </a:solidFill>
-              </a:rPr>
-              <a:t>Общая стоимость </a:t>
-            </a:r>
-            <a:r>
-              <a:rPr lang="ru-RU" sz="2400" dirty="0" smtClean="0">
-                <a:solidFill>
-                  <a:srgbClr val="263996"/>
-                </a:solidFill>
-              </a:rPr>
-              <a:t>элемента составляет 3260 рублей</a:t>
-            </a:r>
-            <a:endParaRPr lang="ru-RU" sz="2400" dirty="0">
-              <a:solidFill>
-                <a:srgbClr val="263996"/>
-              </a:solidFill>
-            </a:endParaRPr>
-          </a:p>
-          <a:p>
-            <a:pPr lvl="0"/>
-            <a:endParaRPr lang="ru-RU" sz="2400" dirty="0"/>
-          </a:p>
-        </p:txBody>
-      </p:sp>
-    </p:spTree>
-    <p:extLst>
-      <p:ext uri="{BB962C8B-B14F-4D97-AF65-F5344CB8AC3E}">
-        <p14:creationId xmlns:p14="http://schemas.microsoft.com/office/powerpoint/2010/main" val="3142597761"/>
-      </p:ext>
-    </p:extLst>
-  </p:cSld>
-  <p:clrMapOvr>
-    <a:masterClrMapping/>
-  </p:clrMapOvr>
-  <mc:AlternateContent xmlns:mc="http://schemas.openxmlformats.org/markup-compatibility/2006" xmlns:p14="http://schemas.microsoft.com/office/powerpoint/2010/main">
-    <mc:Choice Requires="p14">
-      <p:transition spd="med" p14:dur="700">
-        <p:fade/>
-      </p:transition>
-    </mc:Choice>
-    <mc:Fallback xmlns="">
-      <p:transition spd="med">
-        <p:fade/>
-      </p:transition>
-    </mc:Fallback>
-  </mc:AlternateContent>
-</p:sld>
-</file>
-
-<file path=ppt/slides/slide7.xml><?xml version="1.0" encoding="utf-8"?>
-<p:sld xmlns:a="http://schemas.openxmlformats.org/drawingml/2006/main" xmlns:r="http://schemas.openxmlformats.org/officeDocument/2006/relationships" xmlns:p="http://schemas.openxmlformats.org/presentationml/2006/main">
-  <p:cSld>
-    <p:spTree>
-      <p:nvGrpSpPr>
-        <p:cNvPr id="1" name=""/>
-        <p:cNvGrpSpPr/>
-        <p:nvPr/>
-      </p:nvGrpSpPr>
-      <p:grpSpPr>
-        <a:xfrm>
-          <a:off x="0" y="0"/>
-          <a:ext cx="0" cy="0"/>
-          <a:chOff x="0" y="0"/>
-          <a:chExt cx="0" cy="0"/>
-        </a:xfrm>
-      </p:grpSpPr>
-      <p:sp>
-        <p:nvSpPr>
-          <p:cNvPr id="2" name="Заголовок 1"/>
-          <p:cNvSpPr>
-            <a:spLocks noGrp="1"/>
-          </p:cNvSpPr>
-          <p:nvPr>
-            <p:ph type="title"/>
-          </p:nvPr>
-        </p:nvSpPr>
-        <p:spPr/>
-        <p:txBody>
-          <a:bodyPr/>
-          <a:lstStyle/>
-          <a:p>
-            <a:r>
-              <a:rPr lang="ru-RU" dirty="0"/>
-              <a:t>Оборудование</a:t>
-            </a:r>
-          </a:p>
-        </p:txBody>
-      </p:sp>
-      <p:sp>
-        <p:nvSpPr>
-          <p:cNvPr id="4" name="TextBox 3"/>
-          <p:cNvSpPr txBox="1"/>
-          <p:nvPr/>
-        </p:nvSpPr>
-        <p:spPr>
-          <a:xfrm>
             <a:off x="690036" y="1377907"/>
             <a:ext cx="5157950" cy="1815882"/>
           </a:xfrm>
@@ -5211,6 +4717,521 @@
 </p:sld>
 </file>
 
+<file path=ppt/slides/slide7.xml><?xml version="1.0" encoding="utf-8"?>
+<p:sld xmlns:a="http://schemas.openxmlformats.org/drawingml/2006/main" xmlns:r="http://schemas.openxmlformats.org/officeDocument/2006/relationships" xmlns:p="http://schemas.openxmlformats.org/presentationml/2006/main">
+  <p:cSld>
+    <p:spTree>
+      <p:nvGrpSpPr>
+        <p:cNvPr id="1" name=""/>
+        <p:cNvGrpSpPr/>
+        <p:nvPr/>
+      </p:nvGrpSpPr>
+      <p:grpSpPr>
+        <a:xfrm>
+          <a:off x="0" y="0"/>
+          <a:ext cx="0" cy="0"/>
+          <a:chOff x="0" y="0"/>
+          <a:chExt cx="0" cy="0"/>
+        </a:xfrm>
+      </p:grpSpPr>
+      <p:sp>
+        <p:nvSpPr>
+          <p:cNvPr id="2" name="Заголовок 1"/>
+          <p:cNvSpPr>
+            <a:spLocks noGrp="1"/>
+          </p:cNvSpPr>
+          <p:nvPr>
+            <p:ph type="title"/>
+          </p:nvPr>
+        </p:nvSpPr>
+        <p:spPr/>
+        <p:txBody>
+          <a:bodyPr/>
+          <a:lstStyle/>
+          <a:p>
+            <a:r>
+              <a:rPr lang="ru-RU" dirty="0"/>
+              <a:t>Оборудование</a:t>
+            </a:r>
+          </a:p>
+        </p:txBody>
+      </p:sp>
+      <p:sp>
+        <p:nvSpPr>
+          <p:cNvPr id="4" name="TextBox 3"/>
+          <p:cNvSpPr txBox="1"/>
+          <p:nvPr/>
+        </p:nvSpPr>
+        <p:spPr>
+          <a:xfrm>
+            <a:off x="287866" y="1231509"/>
+            <a:ext cx="11663834" cy="4524315"/>
+          </a:xfrm>
+          <a:prstGeom prst="rect">
+            <a:avLst/>
+          </a:prstGeom>
+          <a:noFill/>
+        </p:spPr>
+        <p:txBody>
+          <a:bodyPr wrap="none" rtlCol="0">
+            <a:spAutoFit/>
+          </a:bodyPr>
+          <a:lstStyle/>
+          <a:p>
+            <a:r>
+              <a:rPr lang="ru-RU" sz="2400" dirty="0">
+                <a:solidFill>
+                  <a:srgbClr val="263996"/>
+                </a:solidFill>
+              </a:rPr>
+              <a:t>– Базовая станция, реализованная на STM32L151CCU6 (1650 рублей, </a:t>
+            </a:r>
+            <a:endParaRPr lang="en-US" sz="2400" dirty="0">
+              <a:solidFill>
+                <a:srgbClr val="263996"/>
+              </a:solidFill>
+            </a:endParaRPr>
+          </a:p>
+          <a:p>
+            <a:r>
+              <a:rPr lang="en-US" sz="2400" dirty="0">
+                <a:solidFill>
+                  <a:srgbClr val="263996"/>
+                </a:solidFill>
+              </a:rPr>
+              <a:t>       </a:t>
+            </a:r>
+            <a:r>
+              <a:rPr lang="ru-RU" sz="2400" dirty="0">
+                <a:solidFill>
+                  <a:srgbClr val="263996"/>
+                </a:solidFill>
+              </a:rPr>
+              <a:t>если в корпусе </a:t>
+            </a:r>
+            <a:r>
+              <a:rPr lang="en-US" sz="2400" dirty="0">
+                <a:solidFill>
+                  <a:srgbClr val="263996"/>
+                </a:solidFill>
+              </a:rPr>
+              <a:t>Unwired Range</a:t>
+            </a:r>
+            <a:r>
+              <a:rPr lang="ru-RU" sz="2400" dirty="0">
+                <a:solidFill>
+                  <a:srgbClr val="263996"/>
+                </a:solidFill>
+              </a:rPr>
+              <a:t>), </a:t>
+            </a:r>
+            <a:r>
+              <a:rPr lang="en-US" sz="2400" dirty="0">
+                <a:solidFill>
+                  <a:srgbClr val="263996"/>
+                </a:solidFill>
+              </a:rPr>
+              <a:t>UMDK</a:t>
+            </a:r>
+            <a:r>
+              <a:rPr lang="ru-RU" sz="2400" dirty="0">
+                <a:solidFill>
+                  <a:srgbClr val="263996"/>
+                </a:solidFill>
+              </a:rPr>
+              <a:t>-</a:t>
+            </a:r>
+            <a:r>
+              <a:rPr lang="en-US" sz="2400" dirty="0">
+                <a:solidFill>
+                  <a:srgbClr val="263996"/>
+                </a:solidFill>
+              </a:rPr>
+              <a:t>RF </a:t>
+            </a:r>
+            <a:r>
+              <a:rPr lang="ru-RU" sz="2400" dirty="0">
+                <a:solidFill>
+                  <a:srgbClr val="263996"/>
+                </a:solidFill>
+              </a:rPr>
+              <a:t>(1290 рублей), </a:t>
+            </a:r>
+            <a:r>
+              <a:rPr lang="en-US" sz="2400" dirty="0">
+                <a:solidFill>
+                  <a:srgbClr val="263996"/>
+                </a:solidFill>
+              </a:rPr>
+              <a:t>UMDK</a:t>
+            </a:r>
+            <a:r>
+              <a:rPr lang="ru-RU" sz="2400" dirty="0">
+                <a:solidFill>
+                  <a:srgbClr val="263996"/>
+                </a:solidFill>
+              </a:rPr>
+              <a:t>-</a:t>
+            </a:r>
+            <a:r>
+              <a:rPr lang="en-US" sz="2400" dirty="0">
+                <a:solidFill>
+                  <a:srgbClr val="263996"/>
+                </a:solidFill>
+              </a:rPr>
+              <a:t>GATE</a:t>
+            </a:r>
+            <a:r>
+              <a:rPr lang="ru-RU" sz="2400" dirty="0">
+                <a:solidFill>
+                  <a:srgbClr val="263996"/>
+                </a:solidFill>
+              </a:rPr>
+              <a:t>/</a:t>
+            </a:r>
+            <a:r>
+              <a:rPr lang="en-US" sz="2400" dirty="0">
+                <a:solidFill>
+                  <a:srgbClr val="263996"/>
+                </a:solidFill>
+              </a:rPr>
+              <a:t>E</a:t>
+            </a:r>
+            <a:r>
+              <a:rPr lang="ru-RU" sz="2400" dirty="0">
+                <a:solidFill>
+                  <a:srgbClr val="263996"/>
+                </a:solidFill>
+              </a:rPr>
+              <a:t> и </a:t>
+            </a:r>
+            <a:endParaRPr lang="en-US" sz="2400" dirty="0">
+              <a:solidFill>
+                <a:srgbClr val="263996"/>
+              </a:solidFill>
+            </a:endParaRPr>
+          </a:p>
+          <a:p>
+            <a:r>
+              <a:rPr lang="en-US" sz="2400" dirty="0">
+                <a:solidFill>
+                  <a:srgbClr val="263996"/>
+                </a:solidFill>
+              </a:rPr>
+              <a:t>       </a:t>
+            </a:r>
+            <a:r>
+              <a:rPr lang="ru-RU" sz="2400" dirty="0">
+                <a:solidFill>
+                  <a:srgbClr val="263996"/>
+                </a:solidFill>
+              </a:rPr>
+              <a:t>на основе микрокомпьютера</a:t>
+            </a:r>
+            <a:r>
+              <a:rPr lang="en-US" sz="2400" dirty="0">
+                <a:solidFill>
+                  <a:srgbClr val="263996"/>
+                </a:solidFill>
+              </a:rPr>
+              <a:t> Black Swift</a:t>
+            </a:r>
+            <a:r>
+              <a:rPr lang="ru-RU" sz="2400" dirty="0">
+                <a:solidFill>
+                  <a:srgbClr val="263996"/>
+                </a:solidFill>
+              </a:rPr>
+              <a:t>/</a:t>
+            </a:r>
+            <a:r>
+              <a:rPr lang="en-US" sz="2400" dirty="0">
+                <a:solidFill>
+                  <a:srgbClr val="263996"/>
+                </a:solidFill>
+              </a:rPr>
+              <a:t>Unwired One</a:t>
+            </a:r>
+            <a:r>
+              <a:rPr lang="ru-RU" sz="2400" dirty="0">
+                <a:solidFill>
+                  <a:srgbClr val="263996"/>
+                </a:solidFill>
+              </a:rPr>
+              <a:t> (1800 рублей</a:t>
+            </a:r>
+            <a:r>
+              <a:rPr lang="ru-RU" sz="2400" dirty="0" smtClean="0">
+                <a:solidFill>
+                  <a:srgbClr val="263996"/>
+                </a:solidFill>
+              </a:rPr>
+              <a:t>);</a:t>
+            </a:r>
+          </a:p>
+          <a:p>
+            <a:endParaRPr lang="en-US" sz="2400" dirty="0" smtClean="0">
+              <a:solidFill>
+                <a:srgbClr val="263996"/>
+              </a:solidFill>
+            </a:endParaRPr>
+          </a:p>
+          <a:p>
+            <a:r>
+              <a:rPr lang="ru-RU" sz="2400" dirty="0" smtClean="0">
+                <a:solidFill>
+                  <a:srgbClr val="263996"/>
+                </a:solidFill>
+              </a:rPr>
+              <a:t>Из этого понятно, что стоимость базы без учета </a:t>
+            </a:r>
+            <a:r>
+              <a:rPr lang="en-US" sz="2400" dirty="0">
+                <a:solidFill>
+                  <a:srgbClr val="263996"/>
+                </a:solidFill>
+              </a:rPr>
+              <a:t>UMDK</a:t>
+            </a:r>
+            <a:r>
+              <a:rPr lang="ru-RU" sz="2400" dirty="0">
+                <a:solidFill>
+                  <a:srgbClr val="263996"/>
+                </a:solidFill>
+              </a:rPr>
+              <a:t>-</a:t>
+            </a:r>
+            <a:r>
+              <a:rPr lang="en-US" sz="2400" dirty="0">
+                <a:solidFill>
+                  <a:srgbClr val="263996"/>
+                </a:solidFill>
+              </a:rPr>
+              <a:t>GATE</a:t>
+            </a:r>
+            <a:r>
+              <a:rPr lang="ru-RU" sz="2400" dirty="0">
+                <a:solidFill>
+                  <a:srgbClr val="263996"/>
+                </a:solidFill>
+              </a:rPr>
+              <a:t>/</a:t>
+            </a:r>
+            <a:r>
+              <a:rPr lang="en-US" sz="2400" dirty="0" smtClean="0">
+                <a:solidFill>
+                  <a:srgbClr val="263996"/>
+                </a:solidFill>
+              </a:rPr>
+              <a:t>E</a:t>
+            </a:r>
+            <a:r>
+              <a:rPr lang="ru-RU" sz="2400" dirty="0" smtClean="0">
+                <a:solidFill>
+                  <a:srgbClr val="263996"/>
+                </a:solidFill>
+              </a:rPr>
+              <a:t> составляет 4740 рублей</a:t>
+            </a:r>
+            <a:endParaRPr lang="en-US" sz="2400" dirty="0">
+              <a:solidFill>
+                <a:srgbClr val="263996"/>
+              </a:solidFill>
+            </a:endParaRPr>
+          </a:p>
+          <a:p>
+            <a:endParaRPr lang="ru-RU" sz="2400" dirty="0">
+              <a:solidFill>
+                <a:srgbClr val="263996"/>
+              </a:solidFill>
+            </a:endParaRPr>
+          </a:p>
+          <a:p>
+            <a:r>
+              <a:rPr lang="ru-RU" sz="2400" dirty="0">
+                <a:solidFill>
+                  <a:srgbClr val="263996"/>
+                </a:solidFill>
+              </a:rPr>
+              <a:t>– Датчик тока </a:t>
+            </a:r>
+            <a:r>
+              <a:rPr lang="en-US" sz="2400" dirty="0">
+                <a:solidFill>
+                  <a:srgbClr val="263996"/>
+                </a:solidFill>
+              </a:rPr>
+              <a:t>ACS</a:t>
+            </a:r>
+            <a:r>
+              <a:rPr lang="ru-RU" sz="2400" dirty="0">
+                <a:solidFill>
+                  <a:srgbClr val="263996"/>
+                </a:solidFill>
+              </a:rPr>
+              <a:t>712 (180 рублей</a:t>
+            </a:r>
+            <a:r>
+              <a:rPr lang="ru-RU" sz="2400" dirty="0" smtClean="0">
+                <a:solidFill>
+                  <a:srgbClr val="263996"/>
+                </a:solidFill>
+              </a:rPr>
+              <a:t>) (до 8 штук на один элемент связи);</a:t>
+            </a:r>
+            <a:endParaRPr lang="ru-RU" sz="2400" dirty="0">
+              <a:solidFill>
+                <a:srgbClr val="263996"/>
+              </a:solidFill>
+            </a:endParaRPr>
+          </a:p>
+          <a:p>
+            <a:r>
+              <a:rPr lang="ru-RU" sz="2400" dirty="0" smtClean="0">
+                <a:solidFill>
+                  <a:srgbClr val="263996"/>
+                </a:solidFill>
+              </a:rPr>
+              <a:t>– </a:t>
+            </a:r>
+            <a:r>
+              <a:rPr lang="ru-RU" sz="2400" dirty="0">
+                <a:solidFill>
+                  <a:srgbClr val="263996"/>
+                </a:solidFill>
+              </a:rPr>
+              <a:t>Элемент связи датчика со станцией, реализованный на </a:t>
+            </a:r>
+            <a:r>
+              <a:rPr lang="en-US" sz="2400" dirty="0">
+                <a:solidFill>
+                  <a:srgbClr val="263996"/>
+                </a:solidFill>
+              </a:rPr>
+              <a:t>Unwired Range</a:t>
+            </a:r>
+            <a:r>
+              <a:rPr lang="ru-RU" sz="2400" dirty="0">
+                <a:solidFill>
+                  <a:srgbClr val="263996"/>
+                </a:solidFill>
+              </a:rPr>
+              <a:t> (1650 рублей), </a:t>
+            </a:r>
+            <a:endParaRPr lang="en-US" sz="2400" dirty="0">
+              <a:solidFill>
+                <a:srgbClr val="263996"/>
+              </a:solidFill>
+            </a:endParaRPr>
+          </a:p>
+          <a:p>
+            <a:r>
+              <a:rPr lang="en-US" sz="2400" dirty="0">
+                <a:solidFill>
+                  <a:srgbClr val="263996"/>
+                </a:solidFill>
+              </a:rPr>
+              <a:t>      UMDK</a:t>
+            </a:r>
+            <a:r>
+              <a:rPr lang="ru-RU" sz="2400" dirty="0">
+                <a:solidFill>
+                  <a:srgbClr val="263996"/>
+                </a:solidFill>
+              </a:rPr>
+              <a:t>-</a:t>
+            </a:r>
+            <a:r>
+              <a:rPr lang="en-US" sz="2400" dirty="0">
+                <a:solidFill>
+                  <a:srgbClr val="263996"/>
+                </a:solidFill>
+              </a:rPr>
+              <a:t>RF </a:t>
+            </a:r>
+            <a:r>
+              <a:rPr lang="ru-RU" sz="2400" dirty="0">
+                <a:solidFill>
+                  <a:srgbClr val="263996"/>
+                </a:solidFill>
+              </a:rPr>
+              <a:t>(1290 рублей);</a:t>
+            </a:r>
+            <a:endParaRPr lang="en-US" sz="2400" dirty="0">
+              <a:solidFill>
+                <a:srgbClr val="263996"/>
+              </a:solidFill>
+            </a:endParaRPr>
+          </a:p>
+          <a:p>
+            <a:r>
+              <a:rPr lang="ru-RU" sz="2400" dirty="0" smtClean="0">
+                <a:solidFill>
+                  <a:srgbClr val="263996"/>
+                </a:solidFill>
+              </a:rPr>
+              <a:t>Один элемент связи контролирует до 8 точек.</a:t>
+            </a:r>
+            <a:endParaRPr lang="ru-RU" sz="2400" dirty="0">
+              <a:solidFill>
+                <a:srgbClr val="263996"/>
+              </a:solidFill>
+            </a:endParaRPr>
+          </a:p>
+          <a:p>
+            <a:r>
+              <a:rPr lang="ru-RU" sz="2400" dirty="0">
+                <a:solidFill>
+                  <a:srgbClr val="263996"/>
+                </a:solidFill>
+              </a:rPr>
+              <a:t>Общая стоимость </a:t>
+            </a:r>
+            <a:r>
+              <a:rPr lang="ru-RU" sz="2400" dirty="0" smtClean="0">
+                <a:solidFill>
+                  <a:srgbClr val="263996"/>
+                </a:solidFill>
+              </a:rPr>
+              <a:t>элемента составляет 3260 рублей</a:t>
+            </a:r>
+            <a:endParaRPr lang="ru-RU" sz="2400" dirty="0">
+              <a:solidFill>
+                <a:srgbClr val="263996"/>
+              </a:solidFill>
+            </a:endParaRPr>
+          </a:p>
+          <a:p>
+            <a:pPr lvl="0"/>
+            <a:endParaRPr lang="ru-RU" sz="2400" dirty="0"/>
+          </a:p>
+        </p:txBody>
+      </p:sp>
+    </p:spTree>
+    <p:extLst>
+      <p:ext uri="{BB962C8B-B14F-4D97-AF65-F5344CB8AC3E}">
+        <p14:creationId xmlns:p14="http://schemas.microsoft.com/office/powerpoint/2010/main" val="3142597761"/>
+      </p:ext>
+    </p:extLst>
+  </p:cSld>
+  <p:clrMapOvr>
+    <a:masterClrMapping/>
+  </p:clrMapOvr>
+  <mc:AlternateContent xmlns:mc="http://schemas.openxmlformats.org/markup-compatibility/2006" xmlns:p14="http://schemas.microsoft.com/office/powerpoint/2010/main">
+    <mc:Choice Requires="p14">
+      <p:transition spd="med" p14:dur="700">
+        <p:fade/>
+      </p:transition>
+    </mc:Choice>
+    <mc:Fallback xmlns="">
+      <p:transition spd="med">
+        <p:fade/>
+      </p:transition>
+    </mc:Fallback>
+  </mc:AlternateContent>
+</p:sld>
+</file>
+
 <file path=ppt/slides/slide8.xml><?xml version="1.0" encoding="utf-8"?>
 <p:sld xmlns:a="http://schemas.openxmlformats.org/drawingml/2006/main" xmlns:r="http://schemas.openxmlformats.org/officeDocument/2006/relationships" xmlns:p="http://schemas.openxmlformats.org/presentationml/2006/main">
   <p:cSld>
@@ -5439,23 +5460,7 @@
                   <a:srgbClr val="263996"/>
                 </a:solidFill>
               </a:rPr>
-              <a:t>≈ </a:t>
-            </a:r>
-            <a:r>
-              <a:rPr lang="ru-RU" sz="2400" dirty="0" smtClean="0">
-                <a:solidFill>
-                  <a:srgbClr val="263996"/>
-                </a:solidFill>
-              </a:rPr>
-              <a:t>45</a:t>
-            </a:r>
-            <a:r>
-              <a:rPr lang="ru-RU" sz="2400" dirty="0" smtClean="0">
-                <a:solidFill>
-                  <a:srgbClr val="263996"/>
-                </a:solidFill>
-              </a:rPr>
-              <a:t> </a:t>
+              <a:t>≈ 45 </a:t>
             </a:r>
             <a:r>
               <a:rPr lang="ru-RU" sz="2400" dirty="0">
